--- a/.lessons/14 Form validation and Handling/3 Input Field Validation/Input Field Validation.pptx
+++ b/.lessons/14 Form validation and Handling/3 Input Field Validation/Input Field Validation.pptx
@@ -264,7 +264,7 @@
           <a:p>
             <a:fld id="{3E102D2E-813C-461C-9963-687A650C48C0}" type="datetimeFigureOut">
               <a:rPr lang="en-US" smtClean="0"/>
-              <a:t>4/18/2025</a:t>
+              <a:t>4/20/2025</a:t>
             </a:fld>
             <a:endParaRPr lang="en-US"/>
           </a:p>
@@ -462,7 +462,7 @@
           <a:p>
             <a:fld id="{3E102D2E-813C-461C-9963-687A650C48C0}" type="datetimeFigureOut">
               <a:rPr lang="en-US" smtClean="0"/>
-              <a:t>4/18/2025</a:t>
+              <a:t>4/20/2025</a:t>
             </a:fld>
             <a:endParaRPr lang="en-US"/>
           </a:p>
@@ -670,7 +670,7 @@
           <a:p>
             <a:fld id="{3E102D2E-813C-461C-9963-687A650C48C0}" type="datetimeFigureOut">
               <a:rPr lang="en-US" smtClean="0"/>
-              <a:t>4/18/2025</a:t>
+              <a:t>4/20/2025</a:t>
             </a:fld>
             <a:endParaRPr lang="en-US"/>
           </a:p>
@@ -868,7 +868,7 @@
           <a:p>
             <a:fld id="{3E102D2E-813C-461C-9963-687A650C48C0}" type="datetimeFigureOut">
               <a:rPr lang="en-US" smtClean="0"/>
-              <a:t>4/18/2025</a:t>
+              <a:t>4/20/2025</a:t>
             </a:fld>
             <a:endParaRPr lang="en-US"/>
           </a:p>
@@ -1143,7 +1143,7 @@
           <a:p>
             <a:fld id="{3E102D2E-813C-461C-9963-687A650C48C0}" type="datetimeFigureOut">
               <a:rPr lang="en-US" smtClean="0"/>
-              <a:t>4/18/2025</a:t>
+              <a:t>4/20/2025</a:t>
             </a:fld>
             <a:endParaRPr lang="en-US"/>
           </a:p>
@@ -1408,7 +1408,7 @@
           <a:p>
             <a:fld id="{3E102D2E-813C-461C-9963-687A650C48C0}" type="datetimeFigureOut">
               <a:rPr lang="en-US" smtClean="0"/>
-              <a:t>4/18/2025</a:t>
+              <a:t>4/20/2025</a:t>
             </a:fld>
             <a:endParaRPr lang="en-US"/>
           </a:p>
@@ -1820,7 +1820,7 @@
           <a:p>
             <a:fld id="{3E102D2E-813C-461C-9963-687A650C48C0}" type="datetimeFigureOut">
               <a:rPr lang="en-US" smtClean="0"/>
-              <a:t>4/18/2025</a:t>
+              <a:t>4/20/2025</a:t>
             </a:fld>
             <a:endParaRPr lang="en-US"/>
           </a:p>
@@ -1961,7 +1961,7 @@
           <a:p>
             <a:fld id="{3E102D2E-813C-461C-9963-687A650C48C0}" type="datetimeFigureOut">
               <a:rPr lang="en-US" smtClean="0"/>
-              <a:t>4/18/2025</a:t>
+              <a:t>4/20/2025</a:t>
             </a:fld>
             <a:endParaRPr lang="en-US"/>
           </a:p>
@@ -2074,7 +2074,7 @@
           <a:p>
             <a:fld id="{3E102D2E-813C-461C-9963-687A650C48C0}" type="datetimeFigureOut">
               <a:rPr lang="en-US" smtClean="0"/>
-              <a:t>4/18/2025</a:t>
+              <a:t>4/20/2025</a:t>
             </a:fld>
             <a:endParaRPr lang="en-US"/>
           </a:p>
@@ -2385,7 +2385,7 @@
           <a:p>
             <a:fld id="{3E102D2E-813C-461C-9963-687A650C48C0}" type="datetimeFigureOut">
               <a:rPr lang="en-US" smtClean="0"/>
-              <a:t>4/18/2025</a:t>
+              <a:t>4/20/2025</a:t>
             </a:fld>
             <a:endParaRPr lang="en-US"/>
           </a:p>
@@ -2673,7 +2673,7 @@
           <a:p>
             <a:fld id="{3E102D2E-813C-461C-9963-687A650C48C0}" type="datetimeFigureOut">
               <a:rPr lang="en-US" smtClean="0"/>
-              <a:t>4/18/2025</a:t>
+              <a:t>4/20/2025</a:t>
             </a:fld>
             <a:endParaRPr lang="en-US"/>
           </a:p>
@@ -2914,7 +2914,7 @@
           <a:p>
             <a:fld id="{3E102D2E-813C-461C-9963-687A650C48C0}" type="datetimeFigureOut">
               <a:rPr lang="en-US" smtClean="0"/>
-              <a:t>4/18/2025</a:t>
+              <a:t>4/20/2025</a:t>
             </a:fld>
             <a:endParaRPr lang="en-US"/>
           </a:p>
@@ -3352,7 +3352,7 @@
         <p:spPr>
           <a:xfrm>
             <a:off x="217714" y="255046"/>
-            <a:ext cx="11756571" cy="355354"/>
+            <a:ext cx="11756571" cy="4856586"/>
           </a:xfrm>
           <a:prstGeom prst="rect">
             <a:avLst/>
@@ -3382,11 +3382,651 @@
                 <a:effectLst/>
                 <a:latin typeface="Arial" panose="020B0604020202020204" pitchFamily="34" charset="0"/>
               </a:rPr>
-              <a:t>.</a:t>
-            </a:r>
-          </a:p>
-        </p:txBody>
-      </p:sp>
+              <a:t>Gəlin bu dəfə Laravel-dəki </a:t>
+            </a:r>
+            <a:r>
+              <a:rPr kumimoji="0" lang="en-US" altLang="en-US" sz="1300" b="1" i="0" u="none" strike="noStrike" cap="none" normalizeH="0" baseline="0">
+                <a:ln>
+                  <a:noFill/>
+                </a:ln>
+                <a:solidFill>
+                  <a:srgbClr val="FF0000"/>
+                </a:solidFill>
+                <a:effectLst/>
+                <a:latin typeface="Arial" panose="020B0604020202020204" pitchFamily="34" charset="0"/>
+              </a:rPr>
+              <a:t>validate()</a:t>
+            </a:r>
+            <a:r>
+              <a:rPr kumimoji="0" lang="en-US" altLang="en-US" sz="1300" b="0" i="0" u="none" strike="noStrike" cap="none" normalizeH="0" baseline="0">
+                <a:ln>
+                  <a:noFill/>
+                </a:ln>
+                <a:solidFill>
+                  <a:schemeClr val="tx1"/>
+                </a:solidFill>
+                <a:effectLst/>
+                <a:latin typeface="Arial" panose="020B0604020202020204" pitchFamily="34" charset="0"/>
+              </a:rPr>
+              <a:t> funksiyasını ətraflı izah edək.</a:t>
+            </a:r>
+          </a:p>
+          <a:p>
+            <a:pPr>
+              <a:lnSpc>
+                <a:spcPct val="150000"/>
+              </a:lnSpc>
+              <a:buNone/>
+            </a:pPr>
+            <a:endParaRPr lang="en-US" altLang="en-US" sz="1300">
+              <a:latin typeface="Arial" panose="020B0604020202020204" pitchFamily="34" charset="0"/>
+            </a:endParaRPr>
+          </a:p>
+          <a:p>
+            <a:pPr>
+              <a:lnSpc>
+                <a:spcPct val="150000"/>
+              </a:lnSpc>
+              <a:buNone/>
+            </a:pPr>
+            <a:endParaRPr kumimoji="0" lang="en-US" altLang="en-US" sz="1300" b="0" i="0" u="none" strike="noStrike" cap="none" normalizeH="0" baseline="0">
+              <a:ln>
+                <a:noFill/>
+              </a:ln>
+              <a:solidFill>
+                <a:schemeClr val="tx1"/>
+              </a:solidFill>
+              <a:effectLst/>
+              <a:latin typeface="Arial" panose="020B0604020202020204" pitchFamily="34" charset="0"/>
+            </a:endParaRPr>
+          </a:p>
+          <a:p>
+            <a:pPr>
+              <a:lnSpc>
+                <a:spcPct val="150000"/>
+              </a:lnSpc>
+              <a:buNone/>
+            </a:pPr>
+            <a:r>
+              <a:rPr kumimoji="0" lang="en-US" altLang="en-US" sz="1300" b="1" i="0" u="none" strike="noStrike" cap="none" normalizeH="0" baseline="0">
+                <a:ln>
+                  <a:noFill/>
+                </a:ln>
+                <a:solidFill>
+                  <a:srgbClr val="FF0000"/>
+                </a:solidFill>
+                <a:effectLst/>
+                <a:latin typeface="Arial" panose="020B0604020202020204" pitchFamily="34" charset="0"/>
+              </a:rPr>
+              <a:t>validate() </a:t>
+            </a:r>
+            <a:r>
+              <a:rPr kumimoji="0" lang="en-US" altLang="en-US" sz="1300" b="0" i="0" u="none" strike="noStrike" cap="none" normalizeH="0" baseline="0">
+                <a:ln>
+                  <a:noFill/>
+                </a:ln>
+                <a:solidFill>
+                  <a:schemeClr val="tx1"/>
+                </a:solidFill>
+                <a:effectLst/>
+                <a:latin typeface="Arial" panose="020B0604020202020204" pitchFamily="34" charset="0"/>
+              </a:rPr>
+              <a:t>nədir?</a:t>
+            </a:r>
+          </a:p>
+          <a:p>
+            <a:pPr>
+              <a:lnSpc>
+                <a:spcPct val="150000"/>
+              </a:lnSpc>
+              <a:buNone/>
+            </a:pPr>
+            <a:endParaRPr kumimoji="0" lang="en-US" altLang="en-US" sz="1300" b="0" i="0" u="none" strike="noStrike" cap="none" normalizeH="0" baseline="0">
+              <a:ln>
+                <a:noFill/>
+              </a:ln>
+              <a:solidFill>
+                <a:schemeClr val="tx1"/>
+              </a:solidFill>
+              <a:effectLst/>
+              <a:latin typeface="Arial" panose="020B0604020202020204" pitchFamily="34" charset="0"/>
+            </a:endParaRPr>
+          </a:p>
+          <a:p>
+            <a:pPr>
+              <a:lnSpc>
+                <a:spcPct val="150000"/>
+              </a:lnSpc>
+              <a:buNone/>
+            </a:pPr>
+            <a:r>
+              <a:rPr kumimoji="0" lang="en-US" altLang="en-US" sz="1300" b="1" i="0" u="none" strike="noStrike" cap="none" normalizeH="0" baseline="0">
+                <a:ln>
+                  <a:noFill/>
+                </a:ln>
+                <a:solidFill>
+                  <a:srgbClr val="0070C0"/>
+                </a:solidFill>
+                <a:effectLst/>
+                <a:latin typeface="Arial" panose="020B0604020202020204" pitchFamily="34" charset="0"/>
+              </a:rPr>
+              <a:t>$request-&gt;validate() </a:t>
+            </a:r>
+            <a:r>
+              <a:rPr kumimoji="0" lang="en-US" altLang="en-US" sz="1300" b="0" i="0" u="none" strike="noStrike" cap="none" normalizeH="0" baseline="0">
+                <a:ln>
+                  <a:noFill/>
+                </a:ln>
+                <a:solidFill>
+                  <a:schemeClr val="tx1"/>
+                </a:solidFill>
+                <a:effectLst/>
+                <a:latin typeface="Arial" panose="020B0604020202020204" pitchFamily="34" charset="0"/>
+              </a:rPr>
+              <a:t>Laravel-in daxilində olan input yoxlama (validation) mexanizmidir.</a:t>
+            </a:r>
+          </a:p>
+          <a:p>
+            <a:pPr>
+              <a:lnSpc>
+                <a:spcPct val="150000"/>
+              </a:lnSpc>
+              <a:buNone/>
+            </a:pPr>
+            <a:endParaRPr kumimoji="0" lang="en-US" altLang="en-US" sz="1300" b="0" i="0" u="none" strike="noStrike" cap="none" normalizeH="0" baseline="0">
+              <a:ln>
+                <a:noFill/>
+              </a:ln>
+              <a:solidFill>
+                <a:schemeClr val="tx1"/>
+              </a:solidFill>
+              <a:effectLst/>
+              <a:latin typeface="Arial" panose="020B0604020202020204" pitchFamily="34" charset="0"/>
+            </a:endParaRPr>
+          </a:p>
+          <a:p>
+            <a:pPr>
+              <a:lnSpc>
+                <a:spcPct val="150000"/>
+              </a:lnSpc>
+              <a:buNone/>
+            </a:pPr>
+            <a:r>
+              <a:rPr kumimoji="0" lang="en-US" altLang="en-US" sz="1300" b="0" i="0" u="none" strike="noStrike" cap="none" normalizeH="0" baseline="0">
+                <a:ln>
+                  <a:noFill/>
+                </a:ln>
+                <a:solidFill>
+                  <a:schemeClr val="tx1"/>
+                </a:solidFill>
+                <a:effectLst/>
+                <a:latin typeface="Arial" panose="020B0604020202020204" pitchFamily="34" charset="0"/>
+              </a:rPr>
+              <a:t>📌 Məqsəd: İstifadəçinin formda gərəkli məlumatları daxil edib-etmədiyini yoxlamaqdır. </a:t>
+            </a:r>
+          </a:p>
+          <a:p>
+            <a:pPr>
+              <a:lnSpc>
+                <a:spcPct val="150000"/>
+              </a:lnSpc>
+              <a:buNone/>
+            </a:pPr>
+            <a:r>
+              <a:rPr kumimoji="0" lang="en-US" altLang="en-US" sz="1300" b="0" i="0" u="none" strike="noStrike" cap="none" normalizeH="0" baseline="0">
+                <a:ln>
+                  <a:noFill/>
+                </a:ln>
+                <a:solidFill>
+                  <a:schemeClr val="tx1"/>
+                </a:solidFill>
+                <a:effectLst/>
+                <a:latin typeface="Arial" panose="020B0604020202020204" pitchFamily="34" charset="0"/>
+              </a:rPr>
+              <a:t>Əgər məlumat səhvdirsə və ya boşdursa, Laravel avtomatik olaraq:</a:t>
+            </a:r>
+          </a:p>
+          <a:p>
+            <a:pPr>
+              <a:lnSpc>
+                <a:spcPct val="150000"/>
+              </a:lnSpc>
+              <a:buNone/>
+            </a:pPr>
+            <a:endParaRPr kumimoji="0" lang="en-US" altLang="en-US" sz="1300" b="0" i="0" u="none" strike="noStrike" cap="none" normalizeH="0" baseline="0">
+              <a:ln>
+                <a:noFill/>
+              </a:ln>
+              <a:solidFill>
+                <a:schemeClr val="tx1"/>
+              </a:solidFill>
+              <a:effectLst/>
+              <a:latin typeface="Arial" panose="020B0604020202020204" pitchFamily="34" charset="0"/>
+            </a:endParaRPr>
+          </a:p>
+          <a:p>
+            <a:pPr marL="285750" indent="-285750">
+              <a:lnSpc>
+                <a:spcPct val="150000"/>
+              </a:lnSpc>
+              <a:buFont typeface="Arial" panose="020B0604020202020204" pitchFamily="34" charset="0"/>
+              <a:buChar char="•"/>
+            </a:pPr>
+            <a:r>
+              <a:rPr kumimoji="0" lang="en-US" altLang="en-US" sz="1300" b="0" i="0" u="none" strike="noStrike" cap="none" normalizeH="0" baseline="0">
+                <a:ln>
+                  <a:noFill/>
+                </a:ln>
+                <a:solidFill>
+                  <a:schemeClr val="tx1"/>
+                </a:solidFill>
+                <a:effectLst/>
+                <a:latin typeface="Arial" panose="020B0604020202020204" pitchFamily="34" charset="0"/>
+              </a:rPr>
+              <a:t>səhv mesajları yaradır,</a:t>
+            </a:r>
+          </a:p>
+          <a:p>
+            <a:pPr marL="285750" indent="-285750">
+              <a:lnSpc>
+                <a:spcPct val="150000"/>
+              </a:lnSpc>
+              <a:buFont typeface="Arial" panose="020B0604020202020204" pitchFamily="34" charset="0"/>
+              <a:buChar char="•"/>
+            </a:pPr>
+            <a:r>
+              <a:rPr kumimoji="0" lang="en-US" altLang="en-US" sz="1300" b="0" i="0" u="none" strike="noStrike" cap="none" normalizeH="0" baseline="0">
+                <a:ln>
+                  <a:noFill/>
+                </a:ln>
+                <a:solidFill>
+                  <a:schemeClr val="tx1"/>
+                </a:solidFill>
+                <a:effectLst/>
+                <a:latin typeface="Arial" panose="020B0604020202020204" pitchFamily="34" charset="0"/>
+              </a:rPr>
+              <a:t>əvvəlki səhifəyə redirect edir,</a:t>
+            </a:r>
+          </a:p>
+          <a:p>
+            <a:pPr marL="285750" indent="-285750">
+              <a:lnSpc>
+                <a:spcPct val="150000"/>
+              </a:lnSpc>
+              <a:buFont typeface="Arial" panose="020B0604020202020204" pitchFamily="34" charset="0"/>
+              <a:buChar char="•"/>
+            </a:pPr>
+            <a:r>
+              <a:rPr kumimoji="0" lang="en-US" altLang="en-US" sz="1300" b="0" i="0" u="none" strike="noStrike" cap="none" normalizeH="0" baseline="0">
+                <a:ln>
+                  <a:noFill/>
+                </a:ln>
+                <a:solidFill>
+                  <a:schemeClr val="tx1"/>
+                </a:solidFill>
+                <a:effectLst/>
+                <a:latin typeface="Arial" panose="020B0604020202020204" pitchFamily="34" charset="0"/>
+              </a:rPr>
+              <a:t>istifadəçinin yazdığı məlumatları əldə saxlayır (old input),</a:t>
+            </a:r>
+          </a:p>
+          <a:p>
+            <a:pPr marL="285750" indent="-285750">
+              <a:lnSpc>
+                <a:spcPct val="150000"/>
+              </a:lnSpc>
+              <a:buFont typeface="Arial" panose="020B0604020202020204" pitchFamily="34" charset="0"/>
+              <a:buChar char="•"/>
+            </a:pPr>
+            <a:r>
+              <a:rPr kumimoji="0" lang="en-US" altLang="en-US" sz="1300" b="0" i="0" u="none" strike="noStrike" cap="none" normalizeH="0" baseline="0">
+                <a:ln>
+                  <a:noFill/>
+                </a:ln>
+                <a:solidFill>
+                  <a:schemeClr val="tx1"/>
+                </a:solidFill>
+                <a:effectLst/>
+                <a:latin typeface="Arial" panose="020B0604020202020204" pitchFamily="34" charset="0"/>
+              </a:rPr>
+              <a:t>səhv mesajlarını </a:t>
+            </a:r>
+            <a:r>
+              <a:rPr kumimoji="0" lang="en-US" altLang="en-US" sz="1300" b="1" i="0" u="none" strike="noStrike" cap="none" normalizeH="0" baseline="0">
+                <a:ln>
+                  <a:noFill/>
+                </a:ln>
+                <a:solidFill>
+                  <a:srgbClr val="00B050"/>
+                </a:solidFill>
+                <a:effectLst/>
+                <a:latin typeface="Arial" panose="020B0604020202020204" pitchFamily="34" charset="0"/>
+              </a:rPr>
+              <a:t>$errors </a:t>
+            </a:r>
+            <a:r>
+              <a:rPr kumimoji="0" lang="en-US" altLang="en-US" sz="1300" b="0" i="0" u="none" strike="noStrike" cap="none" normalizeH="0" baseline="0">
+                <a:ln>
+                  <a:noFill/>
+                </a:ln>
+                <a:solidFill>
+                  <a:schemeClr val="tx1"/>
+                </a:solidFill>
+                <a:effectLst/>
+                <a:latin typeface="Arial" panose="020B0604020202020204" pitchFamily="34" charset="0"/>
+              </a:rPr>
+              <a:t>obyektinə yazır.</a:t>
+            </a:r>
+          </a:p>
+          <a:p>
+            <a:pPr>
+              <a:lnSpc>
+                <a:spcPct val="150000"/>
+              </a:lnSpc>
+              <a:buNone/>
+            </a:pPr>
+            <a:endParaRPr kumimoji="0" lang="en-US" altLang="en-US" sz="1300" b="0" i="0" u="none" strike="noStrike" cap="none" normalizeH="0" baseline="0">
+              <a:ln>
+                <a:noFill/>
+              </a:ln>
+              <a:solidFill>
+                <a:schemeClr val="tx1"/>
+              </a:solidFill>
+              <a:effectLst/>
+              <a:latin typeface="Arial" panose="020B0604020202020204" pitchFamily="34" charset="0"/>
+            </a:endParaRPr>
+          </a:p>
+          <a:p>
+            <a:pPr>
+              <a:lnSpc>
+                <a:spcPct val="150000"/>
+              </a:lnSpc>
+              <a:buNone/>
+            </a:pPr>
+            <a:endParaRPr kumimoji="0" lang="en-US" altLang="en-US" sz="1300" b="0" i="0" u="none" strike="noStrike" cap="none" normalizeH="0" baseline="0">
+              <a:ln>
+                <a:noFill/>
+              </a:ln>
+              <a:solidFill>
+                <a:schemeClr val="tx1"/>
+              </a:solidFill>
+              <a:effectLst/>
+              <a:latin typeface="Arial" panose="020B0604020202020204" pitchFamily="34" charset="0"/>
+            </a:endParaRPr>
+          </a:p>
+        </p:txBody>
+      </p:sp>
+      <p:pic>
+        <p:nvPicPr>
+          <p:cNvPr id="5" name="Picture 4">
+            <a:extLst>
+              <a:ext uri="{FF2B5EF4-FFF2-40B4-BE49-F238E27FC236}">
+                <a16:creationId xmlns:a16="http://schemas.microsoft.com/office/drawing/2014/main" id="{F4D8A8E1-1703-2CCE-EFB3-3CDBF880DE41}"/>
+              </a:ext>
+            </a:extLst>
+          </p:cNvPr>
+          <p:cNvPicPr>
+            <a:picLocks noChangeAspect="1"/>
+          </p:cNvPicPr>
+          <p:nvPr/>
+        </p:nvPicPr>
+        <p:blipFill>
+          <a:blip r:embed="rId2"/>
+          <a:stretch>
+            <a:fillRect/>
+          </a:stretch>
+        </p:blipFill>
+        <p:spPr>
+          <a:xfrm>
+            <a:off x="7060676" y="1094759"/>
+            <a:ext cx="5000460" cy="5763241"/>
+          </a:xfrm>
+          <a:prstGeom prst="rect">
+            <a:avLst/>
+          </a:prstGeom>
+        </p:spPr>
+      </p:pic>
+      <p:graphicFrame>
+        <p:nvGraphicFramePr>
+          <p:cNvPr id="6" name="Table 5">
+            <a:extLst>
+              <a:ext uri="{FF2B5EF4-FFF2-40B4-BE49-F238E27FC236}">
+                <a16:creationId xmlns:a16="http://schemas.microsoft.com/office/drawing/2014/main" id="{87C63BEF-9C10-F059-4B9F-242468AF7C36}"/>
+              </a:ext>
+            </a:extLst>
+          </p:cNvPr>
+          <p:cNvGraphicFramePr>
+            <a:graphicFrameLocks noGrp="1"/>
+          </p:cNvGraphicFramePr>
+          <p:nvPr>
+            <p:extLst>
+              <p:ext uri="{D42A27DB-BD31-4B8C-83A1-F6EECF244321}">
+                <p14:modId xmlns:p14="http://schemas.microsoft.com/office/powerpoint/2010/main" val="3729457963"/>
+              </p:ext>
+            </p:extLst>
+          </p:nvPr>
+        </p:nvGraphicFramePr>
+        <p:xfrm>
+          <a:off x="217714" y="5139914"/>
+          <a:ext cx="6273015" cy="1463040"/>
+        </p:xfrm>
+        <a:graphic>
+          <a:graphicData uri="http://schemas.openxmlformats.org/drawingml/2006/table">
+            <a:tbl>
+              <a:tblPr firstRow="1" bandRow="1">
+                <a:tableStyleId>{5C22544A-7EE6-4342-B048-85BDC9FD1C3A}</a:tableStyleId>
+              </a:tblPr>
+              <a:tblGrid>
+                <a:gridCol w="1198563">
+                  <a:extLst>
+                    <a:ext uri="{9D8B030D-6E8A-4147-A177-3AD203B41FA5}">
+                      <a16:colId xmlns:a16="http://schemas.microsoft.com/office/drawing/2014/main" val="3735874624"/>
+                    </a:ext>
+                  </a:extLst>
+                </a:gridCol>
+                <a:gridCol w="1616003">
+                  <a:extLst>
+                    <a:ext uri="{9D8B030D-6E8A-4147-A177-3AD203B41FA5}">
+                      <a16:colId xmlns:a16="http://schemas.microsoft.com/office/drawing/2014/main" val="1149024920"/>
+                    </a:ext>
+                  </a:extLst>
+                </a:gridCol>
+                <a:gridCol w="3458449">
+                  <a:extLst>
+                    <a:ext uri="{9D8B030D-6E8A-4147-A177-3AD203B41FA5}">
+                      <a16:colId xmlns:a16="http://schemas.microsoft.com/office/drawing/2014/main" val="1200910112"/>
+                    </a:ext>
+                  </a:extLst>
+                </a:gridCol>
+              </a:tblGrid>
+              <a:tr h="279640">
+                <a:tc>
+                  <a:txBody>
+                    <a:bodyPr/>
+                    <a:lstStyle/>
+                    <a:p>
+                      <a:r>
+                        <a:rPr lang="en-US"/>
+                        <a:t>Input</a:t>
+                      </a:r>
+                    </a:p>
+                  </a:txBody>
+                  <a:tcPr/>
+                </a:tc>
+                <a:tc>
+                  <a:txBody>
+                    <a:bodyPr/>
+                    <a:lstStyle/>
+                    <a:p>
+                      <a:r>
+                        <a:rPr lang="en-US"/>
+                        <a:t>Qayda (rule)</a:t>
+                      </a:r>
+                    </a:p>
+                  </a:txBody>
+                  <a:tcPr anchor="ctr"/>
+                </a:tc>
+                <a:tc>
+                  <a:txBody>
+                    <a:bodyPr/>
+                    <a:lstStyle/>
+                    <a:p>
+                      <a:r>
+                        <a:rPr lang="en-US"/>
+                        <a:t>Tələbi</a:t>
+                      </a:r>
+                    </a:p>
+                  </a:txBody>
+                  <a:tcPr anchor="ctr"/>
+                </a:tc>
+                <a:extLst>
+                  <a:ext uri="{0D108BD9-81ED-4DB2-BD59-A6C34878D82A}">
+                    <a16:rowId xmlns:a16="http://schemas.microsoft.com/office/drawing/2014/main" val="1572975366"/>
+                  </a:ext>
+                </a:extLst>
+              </a:tr>
+              <a:tr h="279640">
+                <a:tc>
+                  <a:txBody>
+                    <a:bodyPr/>
+                    <a:lstStyle/>
+                    <a:p>
+                      <a:r>
+                        <a:rPr lang="en-US"/>
+                        <a:t>name</a:t>
+                      </a:r>
+                    </a:p>
+                  </a:txBody>
+                  <a:tcPr/>
+                </a:tc>
+                <a:tc>
+                  <a:txBody>
+                    <a:bodyPr/>
+                    <a:lstStyle/>
+                    <a:p>
+                      <a:r>
+                        <a:rPr lang="en-US"/>
+                        <a:t>required</a:t>
+                      </a:r>
+                    </a:p>
+                  </a:txBody>
+                  <a:tcPr/>
+                </a:tc>
+                <a:tc>
+                  <a:txBody>
+                    <a:bodyPr/>
+                    <a:lstStyle/>
+                    <a:p>
+                      <a:r>
+                        <a:rPr lang="en-US"/>
+                        <a:t>Bu sahə boş ola bilməz</a:t>
+                      </a:r>
+                    </a:p>
+                  </a:txBody>
+                  <a:tcPr anchor="ctr"/>
+                </a:tc>
+                <a:extLst>
+                  <a:ext uri="{0D108BD9-81ED-4DB2-BD59-A6C34878D82A}">
+                    <a16:rowId xmlns:a16="http://schemas.microsoft.com/office/drawing/2014/main" val="2932553119"/>
+                  </a:ext>
+                </a:extLst>
+              </a:tr>
+              <a:tr h="279640">
+                <a:tc>
+                  <a:txBody>
+                    <a:bodyPr/>
+                    <a:lstStyle/>
+                    <a:p>
+                      <a:r>
+                        <a:rPr lang="en-US"/>
+                        <a:t>email</a:t>
+                      </a:r>
+                    </a:p>
+                  </a:txBody>
+                  <a:tcPr/>
+                </a:tc>
+                <a:tc>
+                  <a:txBody>
+                    <a:bodyPr/>
+                    <a:lstStyle/>
+                    <a:p>
+                      <a:r>
+                        <a:rPr lang="en-US"/>
+                        <a:t>required</a:t>
+                      </a:r>
+                    </a:p>
+                  </a:txBody>
+                  <a:tcPr/>
+                </a:tc>
+                <a:tc>
+                  <a:txBody>
+                    <a:bodyPr/>
+                    <a:lstStyle/>
+                    <a:p>
+                      <a:r>
+                        <a:rPr lang="en-US"/>
+                        <a:t>Bu sahə da mütləq doldurulmalıdır</a:t>
+                      </a:r>
+                    </a:p>
+                  </a:txBody>
+                  <a:tcPr anchor="ctr"/>
+                </a:tc>
+                <a:extLst>
+                  <a:ext uri="{0D108BD9-81ED-4DB2-BD59-A6C34878D82A}">
+                    <a16:rowId xmlns:a16="http://schemas.microsoft.com/office/drawing/2014/main" val="1492196559"/>
+                  </a:ext>
+                </a:extLst>
+              </a:tr>
+              <a:tr h="279640">
+                <a:tc>
+                  <a:txBody>
+                    <a:bodyPr/>
+                    <a:lstStyle/>
+                    <a:p>
+                      <a:r>
+                        <a:rPr lang="en-US"/>
+                        <a:t>password</a:t>
+                      </a:r>
+                    </a:p>
+                  </a:txBody>
+                  <a:tcPr/>
+                </a:tc>
+                <a:tc>
+                  <a:txBody>
+                    <a:bodyPr/>
+                    <a:lstStyle/>
+                    <a:p>
+                      <a:r>
+                        <a:rPr lang="en-US"/>
+                        <a:t>required</a:t>
+                      </a:r>
+                    </a:p>
+                  </a:txBody>
+                  <a:tcPr/>
+                </a:tc>
+                <a:tc>
+                  <a:txBody>
+                    <a:bodyPr/>
+                    <a:lstStyle/>
+                    <a:p>
+                      <a:r>
+                        <a:rPr lang="en-US"/>
+                        <a:t>İstifadəçi şifrə daxil etməlidir</a:t>
+                      </a:r>
+                    </a:p>
+                  </a:txBody>
+                  <a:tcPr anchor="ctr"/>
+                </a:tc>
+                <a:extLst>
+                  <a:ext uri="{0D108BD9-81ED-4DB2-BD59-A6C34878D82A}">
+                    <a16:rowId xmlns:a16="http://schemas.microsoft.com/office/drawing/2014/main" val="794869259"/>
+                  </a:ext>
+                </a:extLst>
+              </a:tr>
+            </a:tbl>
+          </a:graphicData>
+        </a:graphic>
+      </p:graphicFrame>
     </p:spTree>
     <p:extLst>
       <p:ext uri="{BB962C8B-B14F-4D97-AF65-F5344CB8AC3E}">
@@ -3437,8 +4077,8 @@
         </p:nvSpPr>
         <p:spPr>
           <a:xfrm>
-            <a:off x="217714" y="255046"/>
-            <a:ext cx="11756571" cy="355354"/>
+            <a:off x="217715" y="255046"/>
+            <a:ext cx="5598624" cy="2001382"/>
           </a:xfrm>
           <a:prstGeom prst="rect">
             <a:avLst/>
@@ -3458,7 +4098,7 @@
               <a:buNone/>
             </a:pPr>
             <a:r>
-              <a:rPr kumimoji="0" lang="en-US" altLang="en-US" sz="1300" b="0" i="0" u="none" strike="noStrike" cap="none" normalizeH="0" baseline="0">
+              <a:rPr kumimoji="0" lang="en-US" altLang="en-US" sz="1050" b="1" i="0" u="none" strike="noStrike" cap="none" normalizeH="0" baseline="0">
                 <a:ln>
                   <a:noFill/>
                 </a:ln>
@@ -3468,11 +4108,532 @@
                 <a:effectLst/>
                 <a:latin typeface="Arial" panose="020B0604020202020204" pitchFamily="34" charset="0"/>
               </a:rPr>
-              <a:t>.</a:t>
-            </a:r>
-          </a:p>
-        </p:txBody>
-      </p:sp>
+              <a:t>Əgər bu qaydalar pozularsa nə olur</a:t>
+            </a:r>
+            <a:r>
+              <a:rPr kumimoji="0" lang="en-US" altLang="en-US" sz="1050" b="0" i="0" u="none" strike="noStrike" cap="none" normalizeH="0" baseline="0">
+                <a:ln>
+                  <a:noFill/>
+                </a:ln>
+                <a:solidFill>
+                  <a:schemeClr val="tx1"/>
+                </a:solidFill>
+                <a:effectLst/>
+                <a:latin typeface="Arial" panose="020B0604020202020204" pitchFamily="34" charset="0"/>
+              </a:rPr>
+              <a:t>?</a:t>
+            </a:r>
+          </a:p>
+          <a:p>
+            <a:pPr>
+              <a:lnSpc>
+                <a:spcPct val="150000"/>
+              </a:lnSpc>
+              <a:buNone/>
+            </a:pPr>
+            <a:endParaRPr kumimoji="0" lang="en-US" altLang="en-US" sz="1050" b="0" i="0" u="none" strike="noStrike" cap="none" normalizeH="0" baseline="0">
+              <a:ln>
+                <a:noFill/>
+              </a:ln>
+              <a:solidFill>
+                <a:schemeClr val="tx1"/>
+              </a:solidFill>
+              <a:effectLst/>
+              <a:latin typeface="Arial" panose="020B0604020202020204" pitchFamily="34" charset="0"/>
+            </a:endParaRPr>
+          </a:p>
+          <a:p>
+            <a:pPr>
+              <a:lnSpc>
+                <a:spcPct val="150000"/>
+              </a:lnSpc>
+              <a:buNone/>
+            </a:pPr>
+            <a:endParaRPr kumimoji="0" lang="en-US" altLang="en-US" sz="1050" b="0" i="0" u="none" strike="noStrike" cap="none" normalizeH="0" baseline="0">
+              <a:ln>
+                <a:noFill/>
+              </a:ln>
+              <a:solidFill>
+                <a:schemeClr val="tx1"/>
+              </a:solidFill>
+              <a:effectLst/>
+              <a:latin typeface="Arial" panose="020B0604020202020204" pitchFamily="34" charset="0"/>
+            </a:endParaRPr>
+          </a:p>
+          <a:p>
+            <a:pPr>
+              <a:lnSpc>
+                <a:spcPct val="150000"/>
+              </a:lnSpc>
+              <a:buNone/>
+            </a:pPr>
+            <a:r>
+              <a:rPr kumimoji="0" lang="en-US" altLang="en-US" sz="1050" b="1" u="none" strike="noStrike" cap="none" normalizeH="0" baseline="0">
+                <a:ln>
+                  <a:noFill/>
+                </a:ln>
+                <a:solidFill>
+                  <a:schemeClr val="tx1"/>
+                </a:solidFill>
+                <a:effectLst/>
+                <a:latin typeface="Arial" panose="020B0604020202020204" pitchFamily="34" charset="0"/>
+              </a:rPr>
+              <a:t>Laravel avtomatik aşağıdakıları edir</a:t>
+            </a:r>
+            <a:r>
+              <a:rPr kumimoji="0" lang="en-US" altLang="en-US" sz="1050" b="0" i="0" u="none" strike="noStrike" cap="none" normalizeH="0" baseline="0">
+                <a:ln>
+                  <a:noFill/>
+                </a:ln>
+                <a:solidFill>
+                  <a:schemeClr val="tx1"/>
+                </a:solidFill>
+                <a:effectLst/>
+                <a:latin typeface="Arial" panose="020B0604020202020204" pitchFamily="34" charset="0"/>
+              </a:rPr>
+              <a:t>:</a:t>
+            </a:r>
+          </a:p>
+          <a:p>
+            <a:pPr marL="285750" indent="-285750">
+              <a:lnSpc>
+                <a:spcPct val="150000"/>
+              </a:lnSpc>
+              <a:buFont typeface="Arial" panose="020B0604020202020204" pitchFamily="34" charset="0"/>
+              <a:buChar char="•"/>
+            </a:pPr>
+            <a:r>
+              <a:rPr kumimoji="0" lang="en-US" altLang="en-US" sz="1050" b="0" i="0" u="none" strike="noStrike" cap="none" normalizeH="0" baseline="0">
+                <a:ln>
+                  <a:noFill/>
+                </a:ln>
+                <a:solidFill>
+                  <a:schemeClr val="tx1"/>
+                </a:solidFill>
+                <a:effectLst/>
+                <a:latin typeface="Arial" panose="020B0604020202020204" pitchFamily="34" charset="0"/>
+              </a:rPr>
+              <a:t>Geri həmin form səhifəsinə redirect edir</a:t>
+            </a:r>
+            <a:r>
+              <a:rPr lang="az-Latn-AZ" altLang="en-US" sz="1050">
+                <a:latin typeface="Arial" panose="020B0604020202020204" pitchFamily="34" charset="0"/>
+              </a:rPr>
+              <a:t> (Əgər </a:t>
+            </a:r>
+            <a:r>
+              <a:rPr kumimoji="0" lang="en-US" altLang="en-US" sz="1050" b="1" i="0" u="none" strike="noStrike" cap="none" normalizeH="0" baseline="0">
+                <a:ln>
+                  <a:noFill/>
+                </a:ln>
+                <a:solidFill>
+                  <a:schemeClr val="tx1"/>
+                </a:solidFill>
+                <a:effectLst/>
+                <a:latin typeface="Arial" panose="020B0604020202020204" pitchFamily="34" charset="0"/>
+              </a:rPr>
+              <a:t>$errors </a:t>
+            </a:r>
+            <a:r>
+              <a:rPr kumimoji="0" lang="az-Latn-AZ" altLang="en-US" sz="1050" b="0" i="0" u="none" strike="noStrike" cap="none" normalizeH="0" baseline="0">
+                <a:ln>
+                  <a:noFill/>
+                </a:ln>
+                <a:solidFill>
+                  <a:schemeClr val="tx1"/>
+                </a:solidFill>
+                <a:effectLst/>
+                <a:latin typeface="Arial" panose="020B0604020202020204" pitchFamily="34" charset="0"/>
+              </a:rPr>
+              <a:t>istifadə edilməyibdirsə</a:t>
+            </a:r>
+            <a:r>
+              <a:rPr lang="az-Latn-AZ" altLang="en-US" sz="1050">
+                <a:latin typeface="Arial" panose="020B0604020202020204" pitchFamily="34" charset="0"/>
+              </a:rPr>
+              <a:t>)</a:t>
+            </a:r>
+            <a:r>
+              <a:rPr kumimoji="0" lang="en-US" altLang="en-US" sz="1050" b="0" i="0" u="none" strike="noStrike" cap="none" normalizeH="0" baseline="0">
+                <a:ln>
+                  <a:noFill/>
+                </a:ln>
+                <a:solidFill>
+                  <a:schemeClr val="tx1"/>
+                </a:solidFill>
+                <a:effectLst/>
+                <a:latin typeface="Arial" panose="020B0604020202020204" pitchFamily="34" charset="0"/>
+              </a:rPr>
+              <a:t>. </a:t>
+            </a:r>
+          </a:p>
+          <a:p>
+            <a:pPr marL="285750" indent="-285750">
+              <a:lnSpc>
+                <a:spcPct val="150000"/>
+              </a:lnSpc>
+              <a:buFont typeface="Arial" panose="020B0604020202020204" pitchFamily="34" charset="0"/>
+              <a:buChar char="•"/>
+            </a:pPr>
+            <a:r>
+              <a:rPr kumimoji="0" lang="en-US" altLang="en-US" sz="1050" b="1" i="0" u="none" strike="noStrike" cap="none" normalizeH="0" baseline="0">
+                <a:ln>
+                  <a:noFill/>
+                </a:ln>
+                <a:solidFill>
+                  <a:srgbClr val="FF0000"/>
+                </a:solidFill>
+                <a:effectLst/>
+                <a:latin typeface="Arial" panose="020B0604020202020204" pitchFamily="34" charset="0"/>
+              </a:rPr>
+              <a:t>$errors </a:t>
+            </a:r>
+            <a:r>
+              <a:rPr kumimoji="0" lang="en-US" altLang="en-US" sz="1050" b="0" i="0" u="none" strike="noStrike" cap="none" normalizeH="0" baseline="0">
+                <a:ln>
+                  <a:noFill/>
+                </a:ln>
+                <a:solidFill>
+                  <a:schemeClr val="tx1"/>
+                </a:solidFill>
+                <a:effectLst/>
+                <a:latin typeface="Arial" panose="020B0604020202020204" pitchFamily="34" charset="0"/>
+              </a:rPr>
+              <a:t>adlı obyektə səhv mesajlarını yazır.</a:t>
+            </a:r>
+          </a:p>
+          <a:p>
+            <a:pPr marL="285750" indent="-285750">
+              <a:lnSpc>
+                <a:spcPct val="150000"/>
+              </a:lnSpc>
+              <a:buFont typeface="Arial" panose="020B0604020202020204" pitchFamily="34" charset="0"/>
+              <a:buChar char="•"/>
+            </a:pPr>
+            <a:r>
+              <a:rPr kumimoji="0" lang="en-US" altLang="en-US" sz="1050" b="0" i="0" u="none" strike="noStrike" cap="none" normalizeH="0" baseline="0">
+                <a:ln>
+                  <a:noFill/>
+                </a:ln>
+                <a:solidFill>
+                  <a:schemeClr val="tx1"/>
+                </a:solidFill>
+                <a:effectLst/>
+                <a:latin typeface="Arial" panose="020B0604020202020204" pitchFamily="34" charset="0"/>
+              </a:rPr>
+              <a:t>Əvvəlki daxil edilmiş məlumatlar saxlanılır (inputların dəyərləri dəyişmir).</a:t>
+            </a:r>
+          </a:p>
+          <a:p>
+            <a:pPr marL="285750" indent="-285750">
+              <a:lnSpc>
+                <a:spcPct val="150000"/>
+              </a:lnSpc>
+              <a:buFont typeface="Arial" panose="020B0604020202020204" pitchFamily="34" charset="0"/>
+              <a:buChar char="•"/>
+            </a:pPr>
+            <a:r>
+              <a:rPr kumimoji="0" lang="en-US" altLang="en-US" sz="1050" b="0" i="0" u="none" strike="noStrike" cap="none" normalizeH="0" baseline="0">
+                <a:ln>
+                  <a:noFill/>
+                </a:ln>
+                <a:solidFill>
+                  <a:schemeClr val="tx1"/>
+                </a:solidFill>
+                <a:effectLst/>
+                <a:latin typeface="Arial" panose="020B0604020202020204" pitchFamily="34" charset="0"/>
+              </a:rPr>
+              <a:t>Bu səhvləri form üzərində göstərə bilirsən:</a:t>
+            </a:r>
+          </a:p>
+        </p:txBody>
+      </p:sp>
+      <p:pic>
+        <p:nvPicPr>
+          <p:cNvPr id="4" name="Picture 3">
+            <a:extLst>
+              <a:ext uri="{FF2B5EF4-FFF2-40B4-BE49-F238E27FC236}">
+                <a16:creationId xmlns:a16="http://schemas.microsoft.com/office/drawing/2014/main" id="{ABF4FB3A-03A6-20A6-FED1-7A9CB4AE8028}"/>
+              </a:ext>
+            </a:extLst>
+          </p:cNvPr>
+          <p:cNvPicPr>
+            <a:picLocks noChangeAspect="1"/>
+          </p:cNvPicPr>
+          <p:nvPr/>
+        </p:nvPicPr>
+        <p:blipFill>
+          <a:blip r:embed="rId2">
+            <a:extLst>
+              <a:ext uri="{28A0092B-C50C-407E-A947-70E740481C1C}">
+                <a14:useLocalDpi xmlns:a14="http://schemas.microsoft.com/office/drawing/2010/main" val="0"/>
+              </a:ext>
+            </a:extLst>
+          </a:blip>
+          <a:stretch>
+            <a:fillRect/>
+          </a:stretch>
+        </p:blipFill>
+        <p:spPr>
+          <a:xfrm>
+            <a:off x="5985129" y="0"/>
+            <a:ext cx="6206871" cy="6858000"/>
+          </a:xfrm>
+          <a:prstGeom prst="rect">
+            <a:avLst/>
+          </a:prstGeom>
+        </p:spPr>
+      </p:pic>
+      <p:graphicFrame>
+        <p:nvGraphicFramePr>
+          <p:cNvPr id="5" name="Table 4">
+            <a:extLst>
+              <a:ext uri="{FF2B5EF4-FFF2-40B4-BE49-F238E27FC236}">
+                <a16:creationId xmlns:a16="http://schemas.microsoft.com/office/drawing/2014/main" id="{2B902347-3CFC-DE72-F92A-14D41FBF5F04}"/>
+              </a:ext>
+            </a:extLst>
+          </p:cNvPr>
+          <p:cNvGraphicFramePr>
+            <a:graphicFrameLocks noGrp="1"/>
+          </p:cNvGraphicFramePr>
+          <p:nvPr>
+            <p:extLst>
+              <p:ext uri="{D42A27DB-BD31-4B8C-83A1-F6EECF244321}">
+                <p14:modId xmlns:p14="http://schemas.microsoft.com/office/powerpoint/2010/main" val="3146794989"/>
+              </p:ext>
+            </p:extLst>
+          </p:nvPr>
+        </p:nvGraphicFramePr>
+        <p:xfrm>
+          <a:off x="0" y="4632960"/>
+          <a:ext cx="5598624" cy="2225040"/>
+        </p:xfrm>
+        <a:graphic>
+          <a:graphicData uri="http://schemas.openxmlformats.org/drawingml/2006/table">
+            <a:tbl>
+              <a:tblPr firstRow="1" bandRow="1">
+                <a:tableStyleId>{5C22544A-7EE6-4342-B048-85BDC9FD1C3A}</a:tableStyleId>
+              </a:tblPr>
+              <a:tblGrid>
+                <a:gridCol w="2288874">
+                  <a:extLst>
+                    <a:ext uri="{9D8B030D-6E8A-4147-A177-3AD203B41FA5}">
+                      <a16:colId xmlns:a16="http://schemas.microsoft.com/office/drawing/2014/main" val="3693767606"/>
+                    </a:ext>
+                  </a:extLst>
+                </a:gridCol>
+                <a:gridCol w="3309750">
+                  <a:extLst>
+                    <a:ext uri="{9D8B030D-6E8A-4147-A177-3AD203B41FA5}">
+                      <a16:colId xmlns:a16="http://schemas.microsoft.com/office/drawing/2014/main" val="3009272711"/>
+                    </a:ext>
+                  </a:extLst>
+                </a:gridCol>
+              </a:tblGrid>
+              <a:tr h="370840">
+                <a:tc>
+                  <a:txBody>
+                    <a:bodyPr/>
+                    <a:lstStyle/>
+                    <a:p>
+                      <a:pPr algn="l"/>
+                      <a:r>
+                        <a:rPr lang="en-US" sz="1000"/>
+                        <a:t>Funksiya</a:t>
+                      </a:r>
+                    </a:p>
+                  </a:txBody>
+                  <a:tcPr anchor="ctr"/>
+                </a:tc>
+                <a:tc>
+                  <a:txBody>
+                    <a:bodyPr/>
+                    <a:lstStyle/>
+                    <a:p>
+                      <a:pPr algn="l"/>
+                      <a:r>
+                        <a:rPr lang="en-US" sz="1000"/>
+                        <a:t>Məqsəd</a:t>
+                      </a:r>
+                    </a:p>
+                  </a:txBody>
+                  <a:tcPr anchor="ctr"/>
+                </a:tc>
+                <a:extLst>
+                  <a:ext uri="{0D108BD9-81ED-4DB2-BD59-A6C34878D82A}">
+                    <a16:rowId xmlns:a16="http://schemas.microsoft.com/office/drawing/2014/main" val="3480384226"/>
+                  </a:ext>
+                </a:extLst>
+              </a:tr>
+              <a:tr h="370840">
+                <a:tc>
+                  <a:txBody>
+                    <a:bodyPr/>
+                    <a:lstStyle/>
+                    <a:p>
+                      <a:r>
+                        <a:rPr lang="en-US" sz="1000" b="1"/>
+                        <a:t>$request-&gt;validate()</a:t>
+                      </a:r>
+                    </a:p>
+                  </a:txBody>
+                  <a:tcPr anchor="ctr"/>
+                </a:tc>
+                <a:tc>
+                  <a:txBody>
+                    <a:bodyPr/>
+                    <a:lstStyle/>
+                    <a:p>
+                      <a:r>
+                        <a:rPr lang="en-US" sz="1000"/>
+                        <a:t>Form input-larını yoxlayır, səhvlər varsa geriyə yönləndirir</a:t>
+                      </a:r>
+                    </a:p>
+                  </a:txBody>
+                  <a:tcPr anchor="ctr"/>
+                </a:tc>
+                <a:extLst>
+                  <a:ext uri="{0D108BD9-81ED-4DB2-BD59-A6C34878D82A}">
+                    <a16:rowId xmlns:a16="http://schemas.microsoft.com/office/drawing/2014/main" val="2242370308"/>
+                  </a:ext>
+                </a:extLst>
+              </a:tr>
+              <a:tr h="370840">
+                <a:tc>
+                  <a:txBody>
+                    <a:bodyPr/>
+                    <a:lstStyle/>
+                    <a:p>
+                      <a:r>
+                        <a:rPr lang="en-US" sz="1000" b="1"/>
+                        <a:t>required</a:t>
+                      </a:r>
+                    </a:p>
+                  </a:txBody>
+                  <a:tcPr/>
+                </a:tc>
+                <a:tc>
+                  <a:txBody>
+                    <a:bodyPr/>
+                    <a:lstStyle/>
+                    <a:p>
+                      <a:r>
+                        <a:rPr lang="en-US" sz="1000"/>
+                        <a:t>Input sahəsi boş olmamalıdır</a:t>
+                      </a:r>
+                    </a:p>
+                  </a:txBody>
+                  <a:tcPr anchor="ctr"/>
+                </a:tc>
+                <a:extLst>
+                  <a:ext uri="{0D108BD9-81ED-4DB2-BD59-A6C34878D82A}">
+                    <a16:rowId xmlns:a16="http://schemas.microsoft.com/office/drawing/2014/main" val="1449513236"/>
+                  </a:ext>
+                </a:extLst>
+              </a:tr>
+              <a:tr h="370840">
+                <a:tc>
+                  <a:txBody>
+                    <a:bodyPr/>
+                    <a:lstStyle/>
+                    <a:p>
+                      <a:r>
+                        <a:rPr lang="en-US" sz="1000" b="1"/>
+                        <a:t>email (istifadə edilə bilər əlavə olaraq)</a:t>
+                      </a:r>
+                    </a:p>
+                  </a:txBody>
+                  <a:tcPr anchor="ctr"/>
+                </a:tc>
+                <a:tc>
+                  <a:txBody>
+                    <a:bodyPr/>
+                    <a:lstStyle/>
+                    <a:p>
+                      <a:r>
+                        <a:rPr lang="en-US" sz="1000"/>
+                        <a:t>E-poçt formatında olmalıdır</a:t>
+                      </a:r>
+                    </a:p>
+                  </a:txBody>
+                  <a:tcPr anchor="ctr"/>
+                </a:tc>
+                <a:extLst>
+                  <a:ext uri="{0D108BD9-81ED-4DB2-BD59-A6C34878D82A}">
+                    <a16:rowId xmlns:a16="http://schemas.microsoft.com/office/drawing/2014/main" val="2068323714"/>
+                  </a:ext>
+                </a:extLst>
+              </a:tr>
+              <a:tr h="370840">
+                <a:tc>
+                  <a:txBody>
+                    <a:bodyPr/>
+                    <a:lstStyle/>
+                    <a:p>
+                      <a:r>
+                        <a:rPr lang="en-US" sz="1000" b="1"/>
+                        <a:t>min:8 (əlavə qayda)</a:t>
+                      </a:r>
+                    </a:p>
+                  </a:txBody>
+                  <a:tcPr anchor="ctr"/>
+                </a:tc>
+                <a:tc>
+                  <a:txBody>
+                    <a:bodyPr/>
+                    <a:lstStyle/>
+                    <a:p>
+                      <a:r>
+                        <a:rPr lang="en-US" sz="1000"/>
+                        <a:t>Minimum 8 simvol uzunluq tələbi</a:t>
+                      </a:r>
+                    </a:p>
+                  </a:txBody>
+                  <a:tcPr anchor="ctr"/>
+                </a:tc>
+                <a:extLst>
+                  <a:ext uri="{0D108BD9-81ED-4DB2-BD59-A6C34878D82A}">
+                    <a16:rowId xmlns:a16="http://schemas.microsoft.com/office/drawing/2014/main" val="251241264"/>
+                  </a:ext>
+                </a:extLst>
+              </a:tr>
+              <a:tr h="370840">
+                <a:tc>
+                  <a:txBody>
+                    <a:bodyPr/>
+                    <a:lstStyle/>
+                    <a:p>
+                      <a:r>
+                        <a:rPr lang="en-US" sz="1000" b="1"/>
+                        <a:t>$errors-&gt;all()</a:t>
+                      </a:r>
+                    </a:p>
+                  </a:txBody>
+                  <a:tcPr anchor="ctr"/>
+                </a:tc>
+                <a:tc>
+                  <a:txBody>
+                    <a:bodyPr/>
+                    <a:lstStyle/>
+                    <a:p>
+                      <a:r>
+                        <a:rPr lang="en-US" sz="1000"/>
+                        <a:t>Bütün səhv mesajlarını array formatında verir</a:t>
+                      </a:r>
+                    </a:p>
+                  </a:txBody>
+                  <a:tcPr anchor="ctr"/>
+                </a:tc>
+                <a:extLst>
+                  <a:ext uri="{0D108BD9-81ED-4DB2-BD59-A6C34878D82A}">
+                    <a16:rowId xmlns:a16="http://schemas.microsoft.com/office/drawing/2014/main" val="3203664350"/>
+                  </a:ext>
+                </a:extLst>
+              </a:tr>
+            </a:tbl>
+          </a:graphicData>
+        </a:graphic>
+      </p:graphicFrame>
     </p:spTree>
     <p:extLst>
       <p:ext uri="{BB962C8B-B14F-4D97-AF65-F5344CB8AC3E}">
@@ -3524,7 +4685,7 @@
         <p:spPr>
           <a:xfrm>
             <a:off x="217714" y="255046"/>
-            <a:ext cx="11756571" cy="355354"/>
+            <a:ext cx="11756571" cy="3263842"/>
           </a:xfrm>
           <a:prstGeom prst="rect">
             <a:avLst/>
@@ -3543,6 +4704,152 @@
               </a:lnSpc>
               <a:buNone/>
             </a:pPr>
+            <a:r>
+              <a:rPr lang="en-US" sz="1400" b="1"/>
+              <a:t>Daha kompleks misal üçün</a:t>
+            </a:r>
+            <a:r>
+              <a:rPr lang="en-US" sz="1400"/>
+              <a:t>:</a:t>
+            </a:r>
+            <a:endParaRPr lang="az-Latn-AZ" sz="1400"/>
+          </a:p>
+          <a:p>
+            <a:pPr>
+              <a:lnSpc>
+                <a:spcPct val="150000"/>
+              </a:lnSpc>
+              <a:buNone/>
+            </a:pPr>
+            <a:endParaRPr kumimoji="0" lang="az-Latn-AZ" altLang="en-US" sz="1400" b="0" i="0" u="none" strike="noStrike" cap="none" normalizeH="0" baseline="0">
+              <a:ln>
+                <a:noFill/>
+              </a:ln>
+              <a:solidFill>
+                <a:schemeClr val="tx1"/>
+              </a:solidFill>
+              <a:effectLst/>
+              <a:latin typeface="Arial" panose="020B0604020202020204" pitchFamily="34" charset="0"/>
+            </a:endParaRPr>
+          </a:p>
+          <a:p>
+            <a:pPr>
+              <a:lnSpc>
+                <a:spcPct val="150000"/>
+              </a:lnSpc>
+              <a:buNone/>
+            </a:pPr>
+            <a:endParaRPr lang="az-Latn-AZ" altLang="en-US" sz="1400">
+              <a:latin typeface="Arial" panose="020B0604020202020204" pitchFamily="34" charset="0"/>
+            </a:endParaRPr>
+          </a:p>
+          <a:p>
+            <a:pPr>
+              <a:lnSpc>
+                <a:spcPct val="150000"/>
+              </a:lnSpc>
+              <a:buNone/>
+            </a:pPr>
+            <a:endParaRPr kumimoji="0" lang="az-Latn-AZ" altLang="en-US" sz="1400" b="0" i="0" u="none" strike="noStrike" cap="none" normalizeH="0" baseline="0">
+              <a:ln>
+                <a:noFill/>
+              </a:ln>
+              <a:solidFill>
+                <a:schemeClr val="tx1"/>
+              </a:solidFill>
+              <a:effectLst/>
+              <a:latin typeface="Arial" panose="020B0604020202020204" pitchFamily="34" charset="0"/>
+            </a:endParaRPr>
+          </a:p>
+          <a:p>
+            <a:pPr>
+              <a:lnSpc>
+                <a:spcPct val="150000"/>
+              </a:lnSpc>
+              <a:buNone/>
+            </a:pPr>
+            <a:endParaRPr lang="az-Latn-AZ" altLang="en-US" sz="1400">
+              <a:latin typeface="Arial" panose="020B0604020202020204" pitchFamily="34" charset="0"/>
+            </a:endParaRPr>
+          </a:p>
+          <a:p>
+            <a:pPr>
+              <a:lnSpc>
+                <a:spcPct val="150000"/>
+              </a:lnSpc>
+              <a:buNone/>
+            </a:pPr>
+            <a:endParaRPr kumimoji="0" lang="az-Latn-AZ" altLang="en-US" sz="1400" b="0" i="0" u="none" strike="noStrike" cap="none" normalizeH="0" baseline="0">
+              <a:ln>
+                <a:noFill/>
+              </a:ln>
+              <a:solidFill>
+                <a:schemeClr val="tx1"/>
+              </a:solidFill>
+              <a:effectLst/>
+              <a:latin typeface="Arial" panose="020B0604020202020204" pitchFamily="34" charset="0"/>
+            </a:endParaRPr>
+          </a:p>
+          <a:p>
+            <a:pPr>
+              <a:lnSpc>
+                <a:spcPct val="150000"/>
+              </a:lnSpc>
+              <a:buNone/>
+            </a:pPr>
+            <a:endParaRPr lang="az-Latn-AZ" altLang="en-US" sz="1400">
+              <a:latin typeface="Arial" panose="020B0604020202020204" pitchFamily="34" charset="0"/>
+            </a:endParaRPr>
+          </a:p>
+          <a:p>
+            <a:pPr>
+              <a:lnSpc>
+                <a:spcPct val="150000"/>
+              </a:lnSpc>
+              <a:buNone/>
+            </a:pPr>
+            <a:endParaRPr kumimoji="0" lang="az-Latn-AZ" altLang="en-US" sz="1400" b="0" i="0" u="none" strike="noStrike" cap="none" normalizeH="0" baseline="0">
+              <a:ln>
+                <a:noFill/>
+              </a:ln>
+              <a:solidFill>
+                <a:schemeClr val="tx1"/>
+              </a:solidFill>
+              <a:effectLst/>
+              <a:latin typeface="Arial" panose="020B0604020202020204" pitchFamily="34" charset="0"/>
+            </a:endParaRPr>
+          </a:p>
+          <a:p>
+            <a:pPr>
+              <a:lnSpc>
+                <a:spcPct val="150000"/>
+              </a:lnSpc>
+              <a:buNone/>
+            </a:pPr>
+            <a:endParaRPr lang="az-Latn-AZ" altLang="en-US" sz="1400">
+              <a:latin typeface="Arial" panose="020B0604020202020204" pitchFamily="34" charset="0"/>
+            </a:endParaRPr>
+          </a:p>
+          <a:p>
+            <a:pPr>
+              <a:lnSpc>
+                <a:spcPct val="150000"/>
+              </a:lnSpc>
+              <a:buNone/>
+            </a:pPr>
+            <a:r>
+              <a:rPr kumimoji="0" lang="en-US" altLang="en-US" sz="1300" b="1" i="0" u="none" strike="noStrike" cap="none" normalizeH="0" baseline="0">
+                <a:ln>
+                  <a:noFill/>
+                </a:ln>
+                <a:solidFill>
+                  <a:schemeClr val="tx1"/>
+                </a:solidFill>
+                <a:effectLst/>
+                <a:latin typeface="Arial" panose="020B0604020202020204" pitchFamily="34" charset="0"/>
+              </a:rPr>
+              <a:t>Bonus</a:t>
+            </a:r>
             <a:r>
               <a:rPr kumimoji="0" lang="en-US" altLang="en-US" sz="1300" b="0" i="0" u="none" strike="noStrike" cap="none" normalizeH="0" baseline="0">
                 <a:ln>
@@ -3554,11 +4861,71 @@
                 <a:effectLst/>
                 <a:latin typeface="Arial" panose="020B0604020202020204" pitchFamily="34" charset="0"/>
               </a:rPr>
-              <a:t>.</a:t>
-            </a:r>
-          </a:p>
-        </p:txBody>
-      </p:sp>
+              <a:t>: Səhv mesajlarını fərdiləşdirmək</a:t>
+            </a:r>
+          </a:p>
+        </p:txBody>
+      </p:sp>
+      <p:pic>
+        <p:nvPicPr>
+          <p:cNvPr id="4" name="Picture 3">
+            <a:extLst>
+              <a:ext uri="{FF2B5EF4-FFF2-40B4-BE49-F238E27FC236}">
+                <a16:creationId xmlns:a16="http://schemas.microsoft.com/office/drawing/2014/main" id="{68904F35-456C-185A-A122-AAAB48B1B996}"/>
+              </a:ext>
+            </a:extLst>
+          </p:cNvPr>
+          <p:cNvPicPr>
+            <a:picLocks noChangeAspect="1"/>
+          </p:cNvPicPr>
+          <p:nvPr/>
+        </p:nvPicPr>
+        <p:blipFill>
+          <a:blip r:embed="rId2"/>
+          <a:stretch>
+            <a:fillRect/>
+          </a:stretch>
+        </p:blipFill>
+        <p:spPr>
+          <a:xfrm>
+            <a:off x="217714" y="852781"/>
+            <a:ext cx="5315692" cy="1419423"/>
+          </a:xfrm>
+          <a:prstGeom prst="rect">
+            <a:avLst/>
+          </a:prstGeom>
+        </p:spPr>
+      </p:pic>
+      <p:pic>
+        <p:nvPicPr>
+          <p:cNvPr id="6" name="Picture 5">
+            <a:extLst>
+              <a:ext uri="{FF2B5EF4-FFF2-40B4-BE49-F238E27FC236}">
+                <a16:creationId xmlns:a16="http://schemas.microsoft.com/office/drawing/2014/main" id="{634B9E7D-2A05-E88A-2CB2-119079A8873C}"/>
+              </a:ext>
+            </a:extLst>
+          </p:cNvPr>
+          <p:cNvPicPr>
+            <a:picLocks noChangeAspect="1"/>
+          </p:cNvPicPr>
+          <p:nvPr/>
+        </p:nvPicPr>
+        <p:blipFill>
+          <a:blip r:embed="rId3"/>
+          <a:stretch>
+            <a:fillRect/>
+          </a:stretch>
+        </p:blipFill>
+        <p:spPr>
+          <a:xfrm>
+            <a:off x="217714" y="3722383"/>
+            <a:ext cx="8973802" cy="2486372"/>
+          </a:xfrm>
+          <a:prstGeom prst="rect">
+            <a:avLst/>
+          </a:prstGeom>
+        </p:spPr>
+      </p:pic>
     </p:spTree>
     <p:extLst>
       <p:ext uri="{BB962C8B-B14F-4D97-AF65-F5344CB8AC3E}">

--- a/.lessons/14 Form validation and Handling/3 Input Field Validation/Input Field Validation.pptx
+++ b/.lessons/14 Form validation and Handling/3 Input Field Validation/Input Field Validation.pptx
@@ -5012,6 +5012,36 @@
           </a:p>
         </p:txBody>
       </p:sp>
+      <p:pic>
+        <p:nvPicPr>
+          <p:cNvPr id="4" name="Picture 3">
+            <a:extLst>
+              <a:ext uri="{FF2B5EF4-FFF2-40B4-BE49-F238E27FC236}">
+                <a16:creationId xmlns:a16="http://schemas.microsoft.com/office/drawing/2014/main" id="{32800CEB-3822-99F9-5E24-93128AC95CC4}"/>
+              </a:ext>
+            </a:extLst>
+          </p:cNvPr>
+          <p:cNvPicPr>
+            <a:picLocks noChangeAspect="1"/>
+          </p:cNvPicPr>
+          <p:nvPr/>
+        </p:nvPicPr>
+        <p:blipFill>
+          <a:blip r:embed="rId2"/>
+          <a:stretch>
+            <a:fillRect/>
+          </a:stretch>
+        </p:blipFill>
+        <p:spPr>
+          <a:xfrm>
+            <a:off x="0" y="287339"/>
+            <a:ext cx="12192000" cy="6570661"/>
+          </a:xfrm>
+          <a:prstGeom prst="rect">
+            <a:avLst/>
+          </a:prstGeom>
+        </p:spPr>
+      </p:pic>
     </p:spTree>
     <p:extLst>
       <p:ext uri="{BB962C8B-B14F-4D97-AF65-F5344CB8AC3E}">
